--- a/PPT/PART 17.pptx
+++ b/PPT/PART 17.pptx
@@ -6,6 +6,12 @@
   </p:sldMasterIdLst>
   <p:sldIdLst>
     <p:sldId id="256" r:id="rId2"/>
+    <p:sldId id="257" r:id="rId3"/>
+    <p:sldId id="258" r:id="rId4"/>
+    <p:sldId id="259" r:id="rId5"/>
+    <p:sldId id="260" r:id="rId6"/>
+    <p:sldId id="261" r:id="rId7"/>
+    <p:sldId id="262" r:id="rId8"/>
   </p:sldIdLst>
   <p:sldSz cx="12192000" cy="6858000"/>
   <p:notesSz cx="6858000" cy="9144000"/>
@@ -251,7 +257,7 @@
           <a:p>
             <a:fld id="{48A87A34-81AB-432B-8DAE-1953F412C126}" type="datetimeFigureOut">
               <a:rPr lang="en-US" dirty="0"/>
-              <a:t>3/26/2021</a:t>
+              <a:t>4/10/2021</a:t>
             </a:fld>
             <a:endParaRPr lang="en-US" dirty="0"/>
           </a:p>
@@ -457,7 +463,7 @@
           <a:p>
             <a:fld id="{48A87A34-81AB-432B-8DAE-1953F412C126}" type="datetimeFigureOut">
               <a:rPr lang="en-US" dirty="0"/>
-              <a:t>3/26/2021</a:t>
+              <a:t>4/10/2021</a:t>
             </a:fld>
             <a:endParaRPr lang="en-US" dirty="0"/>
           </a:p>
@@ -667,7 +673,7 @@
           <a:p>
             <a:fld id="{48A87A34-81AB-432B-8DAE-1953F412C126}" type="datetimeFigureOut">
               <a:rPr lang="en-US" dirty="0"/>
-              <a:t>3/26/2021</a:t>
+              <a:t>4/10/2021</a:t>
             </a:fld>
             <a:endParaRPr lang="en-US" dirty="0"/>
           </a:p>
@@ -863,7 +869,7 @@
           <a:p>
             <a:fld id="{48A87A34-81AB-432B-8DAE-1953F412C126}" type="datetimeFigureOut">
               <a:rPr lang="en-US" dirty="0"/>
-              <a:t>3/26/2021</a:t>
+              <a:t>4/10/2021</a:t>
             </a:fld>
             <a:endParaRPr lang="en-US" dirty="0"/>
           </a:p>
@@ -1137,7 +1143,7 @@
           <a:p>
             <a:fld id="{48A87A34-81AB-432B-8DAE-1953F412C126}" type="datetimeFigureOut">
               <a:rPr lang="en-US" dirty="0"/>
-              <a:t>3/26/2021</a:t>
+              <a:t>4/10/2021</a:t>
             </a:fld>
             <a:endParaRPr lang="en-US" dirty="0"/>
           </a:p>
@@ -1400,7 +1406,7 @@
           <a:p>
             <a:fld id="{48A87A34-81AB-432B-8DAE-1953F412C126}" type="datetimeFigureOut">
               <a:rPr lang="en-US" dirty="0"/>
-              <a:t>3/26/2021</a:t>
+              <a:t>4/10/2021</a:t>
             </a:fld>
             <a:endParaRPr lang="en-US" dirty="0"/>
           </a:p>
@@ -1811,7 +1817,7 @@
           <a:p>
             <a:fld id="{48A87A34-81AB-432B-8DAE-1953F412C126}" type="datetimeFigureOut">
               <a:rPr lang="en-US" dirty="0"/>
-              <a:t>3/26/2021</a:t>
+              <a:t>4/10/2021</a:t>
             </a:fld>
             <a:endParaRPr lang="en-US" dirty="0"/>
           </a:p>
@@ -1955,7 +1961,7 @@
           <a:p>
             <a:fld id="{48A87A34-81AB-432B-8DAE-1953F412C126}" type="datetimeFigureOut">
               <a:rPr lang="en-US" dirty="0"/>
-              <a:t>3/26/2021</a:t>
+              <a:t>4/10/2021</a:t>
             </a:fld>
             <a:endParaRPr lang="en-US" dirty="0"/>
           </a:p>
@@ -2076,7 +2082,7 @@
           <a:p>
             <a:fld id="{48A87A34-81AB-432B-8DAE-1953F412C126}" type="datetimeFigureOut">
               <a:rPr lang="en-US" dirty="0"/>
-              <a:t>3/26/2021</a:t>
+              <a:t>4/10/2021</a:t>
             </a:fld>
             <a:endParaRPr lang="en-US" dirty="0"/>
           </a:p>
@@ -2322,7 +2328,7 @@
           <a:p>
             <a:fld id="{48A87A34-81AB-432B-8DAE-1953F412C126}" type="datetimeFigureOut">
               <a:rPr lang="en-US" dirty="0"/>
-              <a:t>3/26/2021</a:t>
+              <a:t>4/10/2021</a:t>
             </a:fld>
             <a:endParaRPr lang="en-US" dirty="0"/>
           </a:p>
@@ -2763,7 +2769,7 @@
             <a:fld id="{48A87A34-81AB-432B-8DAE-1953F412C126}" type="datetimeFigureOut">
               <a:rPr lang="en-US" dirty="0"/>
               <a:pPr/>
-              <a:t>3/26/2021</a:t>
+              <a:t>4/10/2021</a:t>
             </a:fld>
             <a:endParaRPr lang="en-US" dirty="0"/>
           </a:p>
@@ -3086,7 +3092,7 @@
             <a:fld id="{48A87A34-81AB-432B-8DAE-1953F412C126}" type="datetimeFigureOut">
               <a:rPr lang="en-US" dirty="0"/>
               <a:pPr/>
-              <a:t>3/26/2021</a:t>
+              <a:t>4/10/2021</a:t>
             </a:fld>
             <a:endParaRPr lang="en-US" dirty="0"/>
           </a:p>
@@ -3590,8 +3596,8 @@
           <a:lstStyle/>
           <a:p>
             <a:r>
-              <a:rPr lang="en-US"/>
-              <a:t>PART 1</a:t>
+              <a:rPr lang="en-US" dirty="0"/>
+              <a:t>PART 17</a:t>
             </a:r>
           </a:p>
         </p:txBody>
@@ -3617,7 +3623,89 @@
           <a:bodyPr/>
           <a:lstStyle/>
           <a:p>
-            <a:endParaRPr lang="en-US"/>
+            <a:r>
+              <a:rPr lang="es-ES" b="0" i="0" dirty="0" err="1">
+                <a:solidFill>
+                  <a:srgbClr val="2B2C33"/>
+                </a:solidFill>
+                <a:effectLst/>
+                <a:latin typeface="Raleway"/>
+              </a:rPr>
+              <a:t>Pengertian</a:t>
+            </a:r>
+            <a:r>
+              <a:rPr lang="es-ES" b="0" i="0" dirty="0">
+                <a:solidFill>
+                  <a:srgbClr val="2B2C33"/>
+                </a:solidFill>
+                <a:effectLst/>
+                <a:latin typeface="Raleway"/>
+              </a:rPr>
+              <a:t> dan Cara </a:t>
+            </a:r>
+            <a:r>
+              <a:rPr lang="es-ES" b="0" i="0" dirty="0" err="1">
+                <a:solidFill>
+                  <a:srgbClr val="2B2C33"/>
+                </a:solidFill>
+                <a:effectLst/>
+                <a:latin typeface="Raleway"/>
+              </a:rPr>
+              <a:t>Penggunaan</a:t>
+            </a:r>
+            <a:r>
+              <a:rPr lang="es-ES" b="0" i="0" dirty="0">
+                <a:solidFill>
+                  <a:srgbClr val="2B2C33"/>
+                </a:solidFill>
+                <a:effectLst/>
+                <a:latin typeface="Raleway"/>
+              </a:rPr>
+              <a:t> </a:t>
+            </a:r>
+            <a:r>
+              <a:rPr lang="es-ES" b="0" i="0" dirty="0" err="1">
+                <a:solidFill>
+                  <a:srgbClr val="2B2C33"/>
+                </a:solidFill>
+                <a:effectLst/>
+                <a:latin typeface="Raleway"/>
+              </a:rPr>
+              <a:t>Tipe</a:t>
+            </a:r>
+            <a:r>
+              <a:rPr lang="es-ES" b="0" i="0" dirty="0">
+                <a:solidFill>
+                  <a:srgbClr val="2B2C33"/>
+                </a:solidFill>
+                <a:effectLst/>
+                <a:latin typeface="Raleway"/>
+              </a:rPr>
+              <a:t> Data </a:t>
+            </a:r>
+            <a:r>
+              <a:rPr lang="es-ES" b="0" i="0" dirty="0" err="1">
+                <a:solidFill>
+                  <a:srgbClr val="2B2C33"/>
+                </a:solidFill>
+                <a:effectLst/>
+                <a:latin typeface="Raleway"/>
+              </a:rPr>
+              <a:t>Enumerated</a:t>
+            </a:r>
+            <a:r>
+              <a:rPr lang="es-ES" b="0" i="0" dirty="0">
+                <a:solidFill>
+                  <a:srgbClr val="2B2C33"/>
+                </a:solidFill>
+                <a:effectLst/>
+                <a:latin typeface="Raleway"/>
+              </a:rPr>
+              <a:t> Pascal</a:t>
+            </a:r>
+          </a:p>
+          <a:p>
+            <a:endParaRPr lang="en-US" dirty="0"/>
           </a:p>
         </p:txBody>
       </p:sp>
@@ -3625,6 +3713,679 @@
     <p:extLst>
       <p:ext uri="{BB962C8B-B14F-4D97-AF65-F5344CB8AC3E}">
         <p14:creationId xmlns:p14="http://schemas.microsoft.com/office/powerpoint/2010/main" val="3084600806"/>
+      </p:ext>
+    </p:extLst>
+  </p:cSld>
+  <p:clrMapOvr>
+    <a:masterClrMapping/>
+  </p:clrMapOvr>
+</p:sld>
+</file>
+
+<file path=ppt/slides/slide2.xml><?xml version="1.0" encoding="utf-8"?>
+<p:sld xmlns:a="http://schemas.openxmlformats.org/drawingml/2006/main" xmlns:r="http://schemas.openxmlformats.org/officeDocument/2006/relationships" xmlns:p="http://schemas.openxmlformats.org/presentationml/2006/main">
+  <p:cSld>
+    <p:spTree>
+      <p:nvGrpSpPr>
+        <p:cNvPr id="1" name=""/>
+        <p:cNvGrpSpPr/>
+        <p:nvPr/>
+      </p:nvGrpSpPr>
+      <p:grpSpPr>
+        <a:xfrm>
+          <a:off x="0" y="0"/>
+          <a:ext cx="0" cy="0"/>
+          <a:chOff x="0" y="0"/>
+          <a:chExt cx="0" cy="0"/>
+        </a:xfrm>
+      </p:grpSpPr>
+      <p:pic>
+        <p:nvPicPr>
+          <p:cNvPr id="5" name="Content Placeholder 4">
+            <a:extLst>
+              <a:ext uri="{FF2B5EF4-FFF2-40B4-BE49-F238E27FC236}">
+                <a16:creationId xmlns:a16="http://schemas.microsoft.com/office/drawing/2014/main" id="{A0ACB128-1C6A-4B09-A81B-3F846560E3E4}"/>
+              </a:ext>
+            </a:extLst>
+          </p:cNvPr>
+          <p:cNvPicPr>
+            <a:picLocks noGrp="1" noChangeAspect="1"/>
+          </p:cNvPicPr>
+          <p:nvPr>
+            <p:ph idx="1"/>
+          </p:nvPr>
+        </p:nvPicPr>
+        <p:blipFill>
+          <a:blip r:embed="rId2"/>
+          <a:stretch>
+            <a:fillRect/>
+          </a:stretch>
+        </p:blipFill>
+        <p:spPr>
+          <a:xfrm>
+            <a:off x="2090737" y="2266950"/>
+            <a:ext cx="8010525" cy="2324100"/>
+          </a:xfrm>
+        </p:spPr>
+      </p:pic>
+    </p:spTree>
+    <p:extLst>
+      <p:ext uri="{BB962C8B-B14F-4D97-AF65-F5344CB8AC3E}">
+        <p14:creationId xmlns:p14="http://schemas.microsoft.com/office/powerpoint/2010/main" val="2556895296"/>
+      </p:ext>
+    </p:extLst>
+  </p:cSld>
+  <p:clrMapOvr>
+    <a:masterClrMapping/>
+  </p:clrMapOvr>
+</p:sld>
+</file>
+
+<file path=ppt/slides/slide3.xml><?xml version="1.0" encoding="utf-8"?>
+<p:sld xmlns:a="http://schemas.openxmlformats.org/drawingml/2006/main" xmlns:r="http://schemas.openxmlformats.org/officeDocument/2006/relationships" xmlns:p="http://schemas.openxmlformats.org/presentationml/2006/main">
+  <p:cSld>
+    <p:spTree>
+      <p:nvGrpSpPr>
+        <p:cNvPr id="1" name=""/>
+        <p:cNvGrpSpPr/>
+        <p:nvPr/>
+      </p:nvGrpSpPr>
+      <p:grpSpPr>
+        <a:xfrm>
+          <a:off x="0" y="0"/>
+          <a:ext cx="0" cy="0"/>
+          <a:chOff x="0" y="0"/>
+          <a:chExt cx="0" cy="0"/>
+        </a:xfrm>
+      </p:grpSpPr>
+      <p:sp>
+        <p:nvSpPr>
+          <p:cNvPr id="2" name="Title 1">
+            <a:extLst>
+              <a:ext uri="{FF2B5EF4-FFF2-40B4-BE49-F238E27FC236}">
+                <a16:creationId xmlns:a16="http://schemas.microsoft.com/office/drawing/2014/main" id="{04EACA20-81F7-43AC-9958-FC03B9C98012}"/>
+              </a:ext>
+            </a:extLst>
+          </p:cNvPr>
+          <p:cNvSpPr>
+            <a:spLocks noGrp="1"/>
+          </p:cNvSpPr>
+          <p:nvPr>
+            <p:ph type="title"/>
+          </p:nvPr>
+        </p:nvSpPr>
+        <p:spPr/>
+        <p:txBody>
+          <a:bodyPr/>
+          <a:lstStyle/>
+          <a:p>
+            <a:r>
+              <a:rPr lang="en-US" b="0" i="0" dirty="0" err="1">
+                <a:solidFill>
+                  <a:srgbClr val="2B2C33"/>
+                </a:solidFill>
+                <a:effectLst/>
+                <a:latin typeface="Raleway"/>
+              </a:rPr>
+              <a:t>Pengertian</a:t>
+            </a:r>
+            <a:r>
+              <a:rPr lang="en-US" b="0" i="0" dirty="0">
+                <a:solidFill>
+                  <a:srgbClr val="2B2C33"/>
+                </a:solidFill>
+                <a:effectLst/>
+                <a:latin typeface="Raleway"/>
+              </a:rPr>
+              <a:t> </a:t>
+            </a:r>
+            <a:r>
+              <a:rPr lang="en-US" b="0" i="0" dirty="0" err="1">
+                <a:solidFill>
+                  <a:srgbClr val="2B2C33"/>
+                </a:solidFill>
+                <a:effectLst/>
+                <a:latin typeface="Raleway"/>
+              </a:rPr>
+              <a:t>Tipe</a:t>
+            </a:r>
+            <a:r>
+              <a:rPr lang="en-US" b="0" i="0" dirty="0">
+                <a:solidFill>
+                  <a:srgbClr val="2B2C33"/>
+                </a:solidFill>
+                <a:effectLst/>
+                <a:latin typeface="Raleway"/>
+              </a:rPr>
+              <a:t> Data Enumerated Pascal</a:t>
+            </a:r>
+            <a:br>
+              <a:rPr lang="en-US" b="0" i="0" dirty="0">
+                <a:solidFill>
+                  <a:srgbClr val="2B2C33"/>
+                </a:solidFill>
+                <a:effectLst/>
+                <a:latin typeface="Raleway"/>
+              </a:rPr>
+            </a:br>
+            <a:endParaRPr lang="en-US" dirty="0"/>
+          </a:p>
+        </p:txBody>
+      </p:sp>
+      <p:sp>
+        <p:nvSpPr>
+          <p:cNvPr id="3" name="Content Placeholder 2">
+            <a:extLst>
+              <a:ext uri="{FF2B5EF4-FFF2-40B4-BE49-F238E27FC236}">
+                <a16:creationId xmlns:a16="http://schemas.microsoft.com/office/drawing/2014/main" id="{3D65C44A-BA8C-4238-91C6-7AC19DE7DD5D}"/>
+              </a:ext>
+            </a:extLst>
+          </p:cNvPr>
+          <p:cNvSpPr>
+            <a:spLocks noGrp="1"/>
+          </p:cNvSpPr>
+          <p:nvPr>
+            <p:ph idx="1"/>
+          </p:nvPr>
+        </p:nvSpPr>
+        <p:spPr/>
+        <p:txBody>
+          <a:bodyPr/>
+          <a:lstStyle/>
+          <a:p>
+            <a:endParaRPr lang="en-US"/>
+          </a:p>
+        </p:txBody>
+      </p:sp>
+      <p:pic>
+        <p:nvPicPr>
+          <p:cNvPr id="5" name="Picture 4">
+            <a:extLst>
+              <a:ext uri="{FF2B5EF4-FFF2-40B4-BE49-F238E27FC236}">
+                <a16:creationId xmlns:a16="http://schemas.microsoft.com/office/drawing/2014/main" id="{22DFA346-6CE5-45B3-987C-A3D99B6CEAC3}"/>
+              </a:ext>
+            </a:extLst>
+          </p:cNvPr>
+          <p:cNvPicPr>
+            <a:picLocks noChangeAspect="1"/>
+          </p:cNvPicPr>
+          <p:nvPr/>
+        </p:nvPicPr>
+        <p:blipFill>
+          <a:blip r:embed="rId2"/>
+          <a:stretch>
+            <a:fillRect/>
+          </a:stretch>
+        </p:blipFill>
+        <p:spPr>
+          <a:xfrm>
+            <a:off x="1570689" y="2112894"/>
+            <a:ext cx="9169732" cy="2286828"/>
+          </a:xfrm>
+          <a:prstGeom prst="rect">
+            <a:avLst/>
+          </a:prstGeom>
+        </p:spPr>
+      </p:pic>
+    </p:spTree>
+    <p:extLst>
+      <p:ext uri="{BB962C8B-B14F-4D97-AF65-F5344CB8AC3E}">
+        <p14:creationId xmlns:p14="http://schemas.microsoft.com/office/powerpoint/2010/main" val="2512285289"/>
+      </p:ext>
+    </p:extLst>
+  </p:cSld>
+  <p:clrMapOvr>
+    <a:masterClrMapping/>
+  </p:clrMapOvr>
+</p:sld>
+</file>
+
+<file path=ppt/slides/slide4.xml><?xml version="1.0" encoding="utf-8"?>
+<p:sld xmlns:a="http://schemas.openxmlformats.org/drawingml/2006/main" xmlns:r="http://schemas.openxmlformats.org/officeDocument/2006/relationships" xmlns:p="http://schemas.openxmlformats.org/presentationml/2006/main">
+  <p:cSld>
+    <p:spTree>
+      <p:nvGrpSpPr>
+        <p:cNvPr id="1" name=""/>
+        <p:cNvGrpSpPr/>
+        <p:nvPr/>
+      </p:nvGrpSpPr>
+      <p:grpSpPr>
+        <a:xfrm>
+          <a:off x="0" y="0"/>
+          <a:ext cx="0" cy="0"/>
+          <a:chOff x="0" y="0"/>
+          <a:chExt cx="0" cy="0"/>
+        </a:xfrm>
+      </p:grpSpPr>
+      <p:sp>
+        <p:nvSpPr>
+          <p:cNvPr id="2" name="Title 1">
+            <a:extLst>
+              <a:ext uri="{FF2B5EF4-FFF2-40B4-BE49-F238E27FC236}">
+                <a16:creationId xmlns:a16="http://schemas.microsoft.com/office/drawing/2014/main" id="{5E023DBC-B8CC-406A-9C8C-52C203C78284}"/>
+              </a:ext>
+            </a:extLst>
+          </p:cNvPr>
+          <p:cNvSpPr>
+            <a:spLocks noGrp="1"/>
+          </p:cNvSpPr>
+          <p:nvPr>
+            <p:ph type="title"/>
+          </p:nvPr>
+        </p:nvSpPr>
+        <p:spPr/>
+        <p:txBody>
+          <a:bodyPr>
+            <a:normAutofit fontScale="90000"/>
+          </a:bodyPr>
+          <a:lstStyle/>
+          <a:p>
+            <a:pPr fontAlgn="base"/>
+            <a:r>
+              <a:rPr lang="en-US" b="0" i="0" dirty="0">
+                <a:solidFill>
+                  <a:srgbClr val="2B2C33"/>
+                </a:solidFill>
+                <a:effectLst/>
+                <a:latin typeface="Raleway"/>
+              </a:rPr>
+              <a:t>Cara </a:t>
+            </a:r>
+            <a:r>
+              <a:rPr lang="en-US" b="0" i="0" dirty="0" err="1">
+                <a:solidFill>
+                  <a:srgbClr val="2B2C33"/>
+                </a:solidFill>
+                <a:effectLst/>
+                <a:latin typeface="Raleway"/>
+              </a:rPr>
+              <a:t>Penggunaan</a:t>
+            </a:r>
+            <a:r>
+              <a:rPr lang="en-US" b="0" i="0" dirty="0">
+                <a:solidFill>
+                  <a:srgbClr val="2B2C33"/>
+                </a:solidFill>
+                <a:effectLst/>
+                <a:latin typeface="Raleway"/>
+              </a:rPr>
+              <a:t> </a:t>
+            </a:r>
+            <a:r>
+              <a:rPr lang="en-US" b="0" i="0" dirty="0" err="1">
+                <a:solidFill>
+                  <a:srgbClr val="2B2C33"/>
+                </a:solidFill>
+                <a:effectLst/>
+                <a:latin typeface="Raleway"/>
+              </a:rPr>
+              <a:t>Tipe</a:t>
+            </a:r>
+            <a:r>
+              <a:rPr lang="en-US" b="0" i="0" dirty="0">
+                <a:solidFill>
+                  <a:srgbClr val="2B2C33"/>
+                </a:solidFill>
+                <a:effectLst/>
+                <a:latin typeface="Raleway"/>
+              </a:rPr>
+              <a:t> Data Enumerated Pascal</a:t>
+            </a:r>
+            <a:br>
+              <a:rPr lang="en-US" b="0" i="0" dirty="0">
+                <a:solidFill>
+                  <a:srgbClr val="2B2C33"/>
+                </a:solidFill>
+                <a:effectLst/>
+                <a:latin typeface="Raleway"/>
+              </a:rPr>
+            </a:br>
+            <a:br>
+              <a:rPr lang="en-US" dirty="0"/>
+            </a:br>
+            <a:endParaRPr lang="en-US" dirty="0"/>
+          </a:p>
+        </p:txBody>
+      </p:sp>
+      <p:sp>
+        <p:nvSpPr>
+          <p:cNvPr id="3" name="Content Placeholder 2">
+            <a:extLst>
+              <a:ext uri="{FF2B5EF4-FFF2-40B4-BE49-F238E27FC236}">
+                <a16:creationId xmlns:a16="http://schemas.microsoft.com/office/drawing/2014/main" id="{3BFAA09A-5B8D-41B2-B804-BC690DF132A8}"/>
+              </a:ext>
+            </a:extLst>
+          </p:cNvPr>
+          <p:cNvSpPr>
+            <a:spLocks noGrp="1"/>
+          </p:cNvSpPr>
+          <p:nvPr>
+            <p:ph idx="1"/>
+          </p:nvPr>
+        </p:nvSpPr>
+        <p:spPr/>
+        <p:txBody>
+          <a:bodyPr/>
+          <a:lstStyle/>
+          <a:p>
+            <a:endParaRPr lang="en-US"/>
+          </a:p>
+        </p:txBody>
+      </p:sp>
+      <p:pic>
+        <p:nvPicPr>
+          <p:cNvPr id="5" name="Picture 4">
+            <a:extLst>
+              <a:ext uri="{FF2B5EF4-FFF2-40B4-BE49-F238E27FC236}">
+                <a16:creationId xmlns:a16="http://schemas.microsoft.com/office/drawing/2014/main" id="{61B1BA99-DFC5-4D36-A7AB-2C43D2B7F6BC}"/>
+              </a:ext>
+            </a:extLst>
+          </p:cNvPr>
+          <p:cNvPicPr>
+            <a:picLocks noChangeAspect="1"/>
+          </p:cNvPicPr>
+          <p:nvPr/>
+        </p:nvPicPr>
+        <p:blipFill>
+          <a:blip r:embed="rId2"/>
+          <a:stretch>
+            <a:fillRect/>
+          </a:stretch>
+        </p:blipFill>
+        <p:spPr>
+          <a:xfrm>
+            <a:off x="1713076" y="1919771"/>
+            <a:ext cx="8765847" cy="3084476"/>
+          </a:xfrm>
+          <a:prstGeom prst="rect">
+            <a:avLst/>
+          </a:prstGeom>
+        </p:spPr>
+      </p:pic>
+    </p:spTree>
+    <p:extLst>
+      <p:ext uri="{BB962C8B-B14F-4D97-AF65-F5344CB8AC3E}">
+        <p14:creationId xmlns:p14="http://schemas.microsoft.com/office/powerpoint/2010/main" val="1860419235"/>
+      </p:ext>
+    </p:extLst>
+  </p:cSld>
+  <p:clrMapOvr>
+    <a:masterClrMapping/>
+  </p:clrMapOvr>
+</p:sld>
+</file>
+
+<file path=ppt/slides/slide5.xml><?xml version="1.0" encoding="utf-8"?>
+<p:sld xmlns:a="http://schemas.openxmlformats.org/drawingml/2006/main" xmlns:r="http://schemas.openxmlformats.org/officeDocument/2006/relationships" xmlns:p="http://schemas.openxmlformats.org/presentationml/2006/main">
+  <p:cSld>
+    <p:spTree>
+      <p:nvGrpSpPr>
+        <p:cNvPr id="1" name=""/>
+        <p:cNvGrpSpPr/>
+        <p:nvPr/>
+      </p:nvGrpSpPr>
+      <p:grpSpPr>
+        <a:xfrm>
+          <a:off x="0" y="0"/>
+          <a:ext cx="0" cy="0"/>
+          <a:chOff x="0" y="0"/>
+          <a:chExt cx="0" cy="0"/>
+        </a:xfrm>
+      </p:grpSpPr>
+      <p:sp>
+        <p:nvSpPr>
+          <p:cNvPr id="3" name="Content Placeholder 2">
+            <a:extLst>
+              <a:ext uri="{FF2B5EF4-FFF2-40B4-BE49-F238E27FC236}">
+                <a16:creationId xmlns:a16="http://schemas.microsoft.com/office/drawing/2014/main" id="{1236E908-5A22-42D5-AB8B-7474D33B086E}"/>
+              </a:ext>
+            </a:extLst>
+          </p:cNvPr>
+          <p:cNvSpPr>
+            <a:spLocks noGrp="1"/>
+          </p:cNvSpPr>
+          <p:nvPr>
+            <p:ph idx="1"/>
+          </p:nvPr>
+        </p:nvSpPr>
+        <p:spPr/>
+        <p:txBody>
+          <a:bodyPr/>
+          <a:lstStyle/>
+          <a:p>
+            <a:endParaRPr lang="en-US"/>
+          </a:p>
+        </p:txBody>
+      </p:sp>
+      <p:pic>
+        <p:nvPicPr>
+          <p:cNvPr id="5" name="Picture 4">
+            <a:extLst>
+              <a:ext uri="{FF2B5EF4-FFF2-40B4-BE49-F238E27FC236}">
+                <a16:creationId xmlns:a16="http://schemas.microsoft.com/office/drawing/2014/main" id="{6D4704FB-8B5B-48C4-8BB1-55A437F9C269}"/>
+              </a:ext>
+            </a:extLst>
+          </p:cNvPr>
+          <p:cNvPicPr>
+            <a:picLocks noChangeAspect="1"/>
+          </p:cNvPicPr>
+          <p:nvPr/>
+        </p:nvPicPr>
+        <p:blipFill>
+          <a:blip r:embed="rId2"/>
+          <a:stretch>
+            <a:fillRect/>
+          </a:stretch>
+        </p:blipFill>
+        <p:spPr>
+          <a:xfrm>
+            <a:off x="1685925" y="804519"/>
+            <a:ext cx="8210550" cy="4524375"/>
+          </a:xfrm>
+          <a:prstGeom prst="rect">
+            <a:avLst/>
+          </a:prstGeom>
+        </p:spPr>
+      </p:pic>
+    </p:spTree>
+    <p:extLst>
+      <p:ext uri="{BB962C8B-B14F-4D97-AF65-F5344CB8AC3E}">
+        <p14:creationId xmlns:p14="http://schemas.microsoft.com/office/powerpoint/2010/main" val="2467731058"/>
+      </p:ext>
+    </p:extLst>
+  </p:cSld>
+  <p:clrMapOvr>
+    <a:masterClrMapping/>
+  </p:clrMapOvr>
+</p:sld>
+</file>
+
+<file path=ppt/slides/slide6.xml><?xml version="1.0" encoding="utf-8"?>
+<p:sld xmlns:a="http://schemas.openxmlformats.org/drawingml/2006/main" xmlns:r="http://schemas.openxmlformats.org/officeDocument/2006/relationships" xmlns:p="http://schemas.openxmlformats.org/presentationml/2006/main">
+  <p:cSld>
+    <p:spTree>
+      <p:nvGrpSpPr>
+        <p:cNvPr id="1" name=""/>
+        <p:cNvGrpSpPr/>
+        <p:nvPr/>
+      </p:nvGrpSpPr>
+      <p:grpSpPr>
+        <a:xfrm>
+          <a:off x="0" y="0"/>
+          <a:ext cx="0" cy="0"/>
+          <a:chOff x="0" y="0"/>
+          <a:chExt cx="0" cy="0"/>
+        </a:xfrm>
+      </p:grpSpPr>
+      <p:sp>
+        <p:nvSpPr>
+          <p:cNvPr id="2" name="Title 1">
+            <a:extLst>
+              <a:ext uri="{FF2B5EF4-FFF2-40B4-BE49-F238E27FC236}">
+                <a16:creationId xmlns:a16="http://schemas.microsoft.com/office/drawing/2014/main" id="{CFD66C8B-B057-4D8F-B93B-BD8F8EFA8643}"/>
+              </a:ext>
+            </a:extLst>
+          </p:cNvPr>
+          <p:cNvSpPr>
+            <a:spLocks noGrp="1"/>
+          </p:cNvSpPr>
+          <p:nvPr>
+            <p:ph type="title"/>
+          </p:nvPr>
+        </p:nvSpPr>
+        <p:spPr/>
+        <p:txBody>
+          <a:bodyPr/>
+          <a:lstStyle/>
+          <a:p>
+            <a:endParaRPr lang="en-US" dirty="0"/>
+          </a:p>
+        </p:txBody>
+      </p:sp>
+      <p:sp>
+        <p:nvSpPr>
+          <p:cNvPr id="3" name="Content Placeholder 2">
+            <a:extLst>
+              <a:ext uri="{FF2B5EF4-FFF2-40B4-BE49-F238E27FC236}">
+                <a16:creationId xmlns:a16="http://schemas.microsoft.com/office/drawing/2014/main" id="{C9EB4F9F-2444-4CD6-82D8-37E4A162505B}"/>
+              </a:ext>
+            </a:extLst>
+          </p:cNvPr>
+          <p:cNvSpPr>
+            <a:spLocks noGrp="1"/>
+          </p:cNvSpPr>
+          <p:nvPr>
+            <p:ph idx="1"/>
+          </p:nvPr>
+        </p:nvSpPr>
+        <p:spPr/>
+        <p:txBody>
+          <a:bodyPr/>
+          <a:lstStyle/>
+          <a:p>
+            <a:endParaRPr lang="en-US"/>
+          </a:p>
+        </p:txBody>
+      </p:sp>
+      <p:pic>
+        <p:nvPicPr>
+          <p:cNvPr id="5" name="Picture 4">
+            <a:extLst>
+              <a:ext uri="{FF2B5EF4-FFF2-40B4-BE49-F238E27FC236}">
+                <a16:creationId xmlns:a16="http://schemas.microsoft.com/office/drawing/2014/main" id="{192F942F-7101-45AC-9C65-B413E6868AA6}"/>
+              </a:ext>
+            </a:extLst>
+          </p:cNvPr>
+          <p:cNvPicPr>
+            <a:picLocks noChangeAspect="1"/>
+          </p:cNvPicPr>
+          <p:nvPr/>
+        </p:nvPicPr>
+        <p:blipFill>
+          <a:blip r:embed="rId2"/>
+          <a:stretch>
+            <a:fillRect/>
+          </a:stretch>
+        </p:blipFill>
+        <p:spPr>
+          <a:xfrm>
+            <a:off x="1658153" y="804519"/>
+            <a:ext cx="9190125" cy="4653094"/>
+          </a:xfrm>
+          <a:prstGeom prst="rect">
+            <a:avLst/>
+          </a:prstGeom>
+        </p:spPr>
+      </p:pic>
+    </p:spTree>
+    <p:extLst>
+      <p:ext uri="{BB962C8B-B14F-4D97-AF65-F5344CB8AC3E}">
+        <p14:creationId xmlns:p14="http://schemas.microsoft.com/office/powerpoint/2010/main" val="1517552162"/>
+      </p:ext>
+    </p:extLst>
+  </p:cSld>
+  <p:clrMapOvr>
+    <a:masterClrMapping/>
+  </p:clrMapOvr>
+</p:sld>
+</file>
+
+<file path=ppt/slides/slide7.xml><?xml version="1.0" encoding="utf-8"?>
+<p:sld xmlns:a="http://schemas.openxmlformats.org/drawingml/2006/main" xmlns:r="http://schemas.openxmlformats.org/officeDocument/2006/relationships" xmlns:p="http://schemas.openxmlformats.org/presentationml/2006/main">
+  <p:cSld>
+    <p:spTree>
+      <p:nvGrpSpPr>
+        <p:cNvPr id="1" name=""/>
+        <p:cNvGrpSpPr/>
+        <p:nvPr/>
+      </p:nvGrpSpPr>
+      <p:grpSpPr>
+        <a:xfrm>
+          <a:off x="0" y="0"/>
+          <a:ext cx="0" cy="0"/>
+          <a:chOff x="0" y="0"/>
+          <a:chExt cx="0" cy="0"/>
+        </a:xfrm>
+      </p:grpSpPr>
+      <p:sp>
+        <p:nvSpPr>
+          <p:cNvPr id="3" name="Content Placeholder 2">
+            <a:extLst>
+              <a:ext uri="{FF2B5EF4-FFF2-40B4-BE49-F238E27FC236}">
+                <a16:creationId xmlns:a16="http://schemas.microsoft.com/office/drawing/2014/main" id="{EBEDF6A1-1436-4702-B484-DC092231D6EF}"/>
+              </a:ext>
+            </a:extLst>
+          </p:cNvPr>
+          <p:cNvSpPr>
+            <a:spLocks noGrp="1"/>
+          </p:cNvSpPr>
+          <p:nvPr>
+            <p:ph idx="1"/>
+          </p:nvPr>
+        </p:nvSpPr>
+        <p:spPr/>
+        <p:txBody>
+          <a:bodyPr/>
+          <a:lstStyle/>
+          <a:p>
+            <a:endParaRPr lang="en-US"/>
+          </a:p>
+        </p:txBody>
+      </p:sp>
+      <p:pic>
+        <p:nvPicPr>
+          <p:cNvPr id="5" name="Picture 4">
+            <a:extLst>
+              <a:ext uri="{FF2B5EF4-FFF2-40B4-BE49-F238E27FC236}">
+                <a16:creationId xmlns:a16="http://schemas.microsoft.com/office/drawing/2014/main" id="{32985598-6A68-43D2-B3A6-F1B67901E82D}"/>
+              </a:ext>
+            </a:extLst>
+          </p:cNvPr>
+          <p:cNvPicPr>
+            <a:picLocks noChangeAspect="1"/>
+          </p:cNvPicPr>
+          <p:nvPr/>
+        </p:nvPicPr>
+        <p:blipFill>
+          <a:blip r:embed="rId2"/>
+          <a:stretch>
+            <a:fillRect/>
+          </a:stretch>
+        </p:blipFill>
+        <p:spPr>
+          <a:xfrm>
+            <a:off x="1974160" y="804519"/>
+            <a:ext cx="8058150" cy="5010150"/>
+          </a:xfrm>
+          <a:prstGeom prst="rect">
+            <a:avLst/>
+          </a:prstGeom>
+        </p:spPr>
+      </p:pic>
+    </p:spTree>
+    <p:extLst>
+      <p:ext uri="{BB962C8B-B14F-4D97-AF65-F5344CB8AC3E}">
+        <p14:creationId xmlns:p14="http://schemas.microsoft.com/office/powerpoint/2010/main" val="1398543983"/>
       </p:ext>
     </p:extLst>
   </p:cSld>

--- a/PPT/PART 17.pptx
+++ b/PPT/PART 17.pptx
@@ -257,7 +257,7 @@
           <a:p>
             <a:fld id="{48A87A34-81AB-432B-8DAE-1953F412C126}" type="datetimeFigureOut">
               <a:rPr lang="en-US" dirty="0"/>
-              <a:t>4/10/2021</a:t>
+              <a:t>4/11/2021</a:t>
             </a:fld>
             <a:endParaRPr lang="en-US" dirty="0"/>
           </a:p>
@@ -463,7 +463,7 @@
           <a:p>
             <a:fld id="{48A87A34-81AB-432B-8DAE-1953F412C126}" type="datetimeFigureOut">
               <a:rPr lang="en-US" dirty="0"/>
-              <a:t>4/10/2021</a:t>
+              <a:t>4/11/2021</a:t>
             </a:fld>
             <a:endParaRPr lang="en-US" dirty="0"/>
           </a:p>
@@ -673,7 +673,7 @@
           <a:p>
             <a:fld id="{48A87A34-81AB-432B-8DAE-1953F412C126}" type="datetimeFigureOut">
               <a:rPr lang="en-US" dirty="0"/>
-              <a:t>4/10/2021</a:t>
+              <a:t>4/11/2021</a:t>
             </a:fld>
             <a:endParaRPr lang="en-US" dirty="0"/>
           </a:p>
@@ -869,7 +869,7 @@
           <a:p>
             <a:fld id="{48A87A34-81AB-432B-8DAE-1953F412C126}" type="datetimeFigureOut">
               <a:rPr lang="en-US" dirty="0"/>
-              <a:t>4/10/2021</a:t>
+              <a:t>4/11/2021</a:t>
             </a:fld>
             <a:endParaRPr lang="en-US" dirty="0"/>
           </a:p>
@@ -1143,7 +1143,7 @@
           <a:p>
             <a:fld id="{48A87A34-81AB-432B-8DAE-1953F412C126}" type="datetimeFigureOut">
               <a:rPr lang="en-US" dirty="0"/>
-              <a:t>4/10/2021</a:t>
+              <a:t>4/11/2021</a:t>
             </a:fld>
             <a:endParaRPr lang="en-US" dirty="0"/>
           </a:p>
@@ -1406,7 +1406,7 @@
           <a:p>
             <a:fld id="{48A87A34-81AB-432B-8DAE-1953F412C126}" type="datetimeFigureOut">
               <a:rPr lang="en-US" dirty="0"/>
-              <a:t>4/10/2021</a:t>
+              <a:t>4/11/2021</a:t>
             </a:fld>
             <a:endParaRPr lang="en-US" dirty="0"/>
           </a:p>
@@ -1817,7 +1817,7 @@
           <a:p>
             <a:fld id="{48A87A34-81AB-432B-8DAE-1953F412C126}" type="datetimeFigureOut">
               <a:rPr lang="en-US" dirty="0"/>
-              <a:t>4/10/2021</a:t>
+              <a:t>4/11/2021</a:t>
             </a:fld>
             <a:endParaRPr lang="en-US" dirty="0"/>
           </a:p>
@@ -1961,7 +1961,7 @@
           <a:p>
             <a:fld id="{48A87A34-81AB-432B-8DAE-1953F412C126}" type="datetimeFigureOut">
               <a:rPr lang="en-US" dirty="0"/>
-              <a:t>4/10/2021</a:t>
+              <a:t>4/11/2021</a:t>
             </a:fld>
             <a:endParaRPr lang="en-US" dirty="0"/>
           </a:p>
@@ -2082,7 +2082,7 @@
           <a:p>
             <a:fld id="{48A87A34-81AB-432B-8DAE-1953F412C126}" type="datetimeFigureOut">
               <a:rPr lang="en-US" dirty="0"/>
-              <a:t>4/10/2021</a:t>
+              <a:t>4/11/2021</a:t>
             </a:fld>
             <a:endParaRPr lang="en-US" dirty="0"/>
           </a:p>
@@ -2328,7 +2328,7 @@
           <a:p>
             <a:fld id="{48A87A34-81AB-432B-8DAE-1953F412C126}" type="datetimeFigureOut">
               <a:rPr lang="en-US" dirty="0"/>
-              <a:t>4/10/2021</a:t>
+              <a:t>4/11/2021</a:t>
             </a:fld>
             <a:endParaRPr lang="en-US" dirty="0"/>
           </a:p>
@@ -2769,7 +2769,7 @@
             <a:fld id="{48A87A34-81AB-432B-8DAE-1953F412C126}" type="datetimeFigureOut">
               <a:rPr lang="en-US" dirty="0"/>
               <a:pPr/>
-              <a:t>4/10/2021</a:t>
+              <a:t>4/11/2021</a:t>
             </a:fld>
             <a:endParaRPr lang="en-US" dirty="0"/>
           </a:p>
@@ -3092,7 +3092,7 @@
             <a:fld id="{48A87A34-81AB-432B-8DAE-1953F412C126}" type="datetimeFigureOut">
               <a:rPr lang="en-US" dirty="0"/>
               <a:pPr/>
-              <a:t>4/10/2021</a:t>
+              <a:t>4/11/2021</a:t>
             </a:fld>
             <a:endParaRPr lang="en-US" dirty="0"/>
           </a:p>
